--- a/New Microsoft PowerPoint Presentation.pptx
+++ b/New Microsoft PowerPoint Presentation.pptx
@@ -5,7 +5,7 @@
     <p:sldMasterId id="2147483648" r:id="rId1"/>
   </p:sldMasterIdLst>
   <p:notesMasterIdLst>
-    <p:notesMasterId r:id="rId16"/>
+    <p:notesMasterId r:id="rId19"/>
   </p:notesMasterIdLst>
   <p:sldIdLst>
     <p:sldId id="257" r:id="rId2"/>
@@ -18,10 +18,13 @@
     <p:sldId id="265" r:id="rId9"/>
     <p:sldId id="266" r:id="rId10"/>
     <p:sldId id="267" r:id="rId11"/>
-    <p:sldId id="268" r:id="rId12"/>
-    <p:sldId id="269" r:id="rId13"/>
-    <p:sldId id="270" r:id="rId14"/>
-    <p:sldId id="272" r:id="rId15"/>
+    <p:sldId id="273" r:id="rId12"/>
+    <p:sldId id="275" r:id="rId13"/>
+    <p:sldId id="274" r:id="rId14"/>
+    <p:sldId id="268" r:id="rId15"/>
+    <p:sldId id="269" r:id="rId16"/>
+    <p:sldId id="270" r:id="rId17"/>
+    <p:sldId id="272" r:id="rId18"/>
   </p:sldIdLst>
   <p:sldSz cx="9144000" cy="6858000" type="screen4x3"/>
   <p:notesSz cx="6858000" cy="9144000"/>
@@ -3556,17 +3559,26 @@
           <a:bodyPr/>
           <a:lstStyle/>
           <a:p>
-            <a:r>
-              <a:rPr lang="en-US" smtClean="0"/>
-              <a:t>Học viên: Lưu Văn Diệp</a:t>
-            </a:r>
-          </a:p>
-          <a:p>
-            <a:r>
-              <a:rPr lang="en-US" smtClean="0"/>
-              <a:t>Hướng dẫn: TS. Trần Minh Quang</a:t>
-            </a:r>
-            <a:endParaRPr lang="en-US"/>
+            <a:pPr algn="l"/>
+            <a:r>
+              <a:rPr lang="en-US"/>
+              <a:t>Học viên: 	Lưu Văn Diệp</a:t>
+            </a:r>
+          </a:p>
+          <a:p>
+            <a:pPr algn="l"/>
+            <a:r>
+              <a:rPr lang="en-US"/>
+              <a:t>GVHD: 	Trần Minh Quang</a:t>
+            </a:r>
+          </a:p>
+          <a:p>
+            <a:pPr algn="l"/>
+            <a:r>
+              <a:rPr lang="en-US"/>
+              <a:t>		Phạm Trần Vũ</a:t>
+            </a:r>
+            <a:endParaRPr lang="en-US" dirty="0"/>
           </a:p>
         </p:txBody>
       </p:sp>
@@ -3692,6 +3704,16 @@
           <a:bodyPr/>
           <a:lstStyle/>
           <a:p>
+            <a:r>
+              <a:rPr lang="en-US" smtClean="0"/>
+              <a:t>Thu thập dữ liệu GPS</a:t>
+            </a:r>
+          </a:p>
+          <a:p>
+            <a:r>
+              <a:rPr lang="en-US" smtClean="0"/>
+              <a:t>Thực nghiệm HMM</a:t>
+            </a:r>
             <a:endParaRPr lang="en-US"/>
           </a:p>
         </p:txBody>
@@ -3750,35 +3772,74 @@
           <a:p>
             <a:r>
               <a:rPr lang="en-US" smtClean="0"/>
-              <a:t>5. Hướng nghiên cứu</a:t>
-            </a:r>
-            <a:endParaRPr lang="en-US"/>
-          </a:p>
-        </p:txBody>
-      </p:sp>
-      <p:sp>
-        <p:nvSpPr>
-          <p:cNvPr id="3" name="Content Placeholder 2"/>
-          <p:cNvSpPr>
-            <a:spLocks noGrp="1"/>
-          </p:cNvSpPr>
+              <a:t>4. Kết quả hiện tại</a:t>
+            </a:r>
+            <a:endParaRPr lang="en-US"/>
+          </a:p>
+        </p:txBody>
+      </p:sp>
+      <p:pic>
+        <p:nvPicPr>
+          <p:cNvPr id="6" name="Content Placeholder 5"/>
+          <p:cNvPicPr>
+            <a:picLocks noGrp="1" noChangeAspect="1"/>
+          </p:cNvPicPr>
           <p:nvPr>
             <p:ph idx="1"/>
           </p:nvPr>
-        </p:nvSpPr>
-        <p:spPr/>
-        <p:txBody>
-          <a:bodyPr/>
-          <a:lstStyle/>
-          <a:p>
-            <a:endParaRPr lang="en-US"/>
+        </p:nvPicPr>
+        <p:blipFill>
+          <a:blip r:embed="rId2">
+            <a:extLst>
+              <a:ext uri="{28A0092B-C50C-407E-A947-70E740481C1C}">
+                <a14:useLocalDpi xmlns:a14="http://schemas.microsoft.com/office/drawing/2010/main" val="0"/>
+              </a:ext>
+            </a:extLst>
+          </a:blip>
+          <a:stretch>
+            <a:fillRect/>
+          </a:stretch>
+        </p:blipFill>
+        <p:spPr>
+          <a:xfrm>
+            <a:off x="838200" y="2024189"/>
+            <a:ext cx="7377842" cy="4148011"/>
+          </a:xfrm>
+        </p:spPr>
+      </p:pic>
+      <p:sp>
+        <p:nvSpPr>
+          <p:cNvPr id="7" name="TextBox 6"/>
+          <p:cNvSpPr txBox="1"/>
+          <p:nvPr/>
+        </p:nvSpPr>
+        <p:spPr>
+          <a:xfrm>
+            <a:off x="822998" y="1533298"/>
+            <a:ext cx="1158202" cy="369332"/>
+          </a:xfrm>
+          <a:prstGeom prst="rect">
+            <a:avLst/>
+          </a:prstGeom>
+          <a:noFill/>
+        </p:spPr>
+        <p:txBody>
+          <a:bodyPr wrap="none" rtlCol="0">
+            <a:spAutoFit/>
+          </a:bodyPr>
+          <a:lstStyle/>
+          <a:p>
+            <a:r>
+              <a:rPr lang="en-US" smtClean="0"/>
+              <a:t>Interval 5s</a:t>
+            </a:r>
           </a:p>
         </p:txBody>
       </p:sp>
     </p:spTree>
     <p:extLst>
       <p:ext uri="{BB962C8B-B14F-4D97-AF65-F5344CB8AC3E}">
-        <p14:creationId xmlns:p14="http://schemas.microsoft.com/office/powerpoint/2010/main" val="2916158750"/>
+        <p14:creationId xmlns:p14="http://schemas.microsoft.com/office/powerpoint/2010/main" val="2219463871"/>
       </p:ext>
     </p:extLst>
   </p:cSld>
@@ -3829,35 +3890,74 @@
           <a:p>
             <a:r>
               <a:rPr lang="en-US" smtClean="0"/>
-              <a:t>6. Tóm tắt</a:t>
-            </a:r>
-            <a:endParaRPr lang="en-US"/>
-          </a:p>
-        </p:txBody>
-      </p:sp>
-      <p:sp>
-        <p:nvSpPr>
-          <p:cNvPr id="3" name="Content Placeholder 2"/>
-          <p:cNvSpPr>
-            <a:spLocks noGrp="1"/>
-          </p:cNvSpPr>
+              <a:t>4. Kết quả hiện tại</a:t>
+            </a:r>
+            <a:endParaRPr lang="en-US"/>
+          </a:p>
+        </p:txBody>
+      </p:sp>
+      <p:pic>
+        <p:nvPicPr>
+          <p:cNvPr id="4" name="Content Placeholder 3"/>
+          <p:cNvPicPr>
+            <a:picLocks noGrp="1" noChangeAspect="1"/>
+          </p:cNvPicPr>
           <p:nvPr>
             <p:ph idx="1"/>
           </p:nvPr>
-        </p:nvSpPr>
-        <p:spPr/>
-        <p:txBody>
-          <a:bodyPr/>
-          <a:lstStyle/>
-          <a:p>
-            <a:endParaRPr lang="en-US"/>
+        </p:nvPicPr>
+        <p:blipFill>
+          <a:blip r:embed="rId2">
+            <a:extLst>
+              <a:ext uri="{28A0092B-C50C-407E-A947-70E740481C1C}">
+                <a14:useLocalDpi xmlns:a14="http://schemas.microsoft.com/office/drawing/2010/main" val="0"/>
+              </a:ext>
+            </a:extLst>
+          </a:blip>
+          <a:stretch>
+            <a:fillRect/>
+          </a:stretch>
+        </p:blipFill>
+        <p:spPr>
+          <a:xfrm>
+            <a:off x="933379" y="1981200"/>
+            <a:ext cx="7372421" cy="4144963"/>
+          </a:xfrm>
+        </p:spPr>
+      </p:pic>
+      <p:sp>
+        <p:nvSpPr>
+          <p:cNvPr id="7" name="TextBox 6"/>
+          <p:cNvSpPr txBox="1"/>
+          <p:nvPr/>
+        </p:nvSpPr>
+        <p:spPr>
+          <a:xfrm>
+            <a:off x="822998" y="1533298"/>
+            <a:ext cx="1275221" cy="369332"/>
+          </a:xfrm>
+          <a:prstGeom prst="rect">
+            <a:avLst/>
+          </a:prstGeom>
+          <a:noFill/>
+        </p:spPr>
+        <p:txBody>
+          <a:bodyPr wrap="none" rtlCol="0">
+            <a:spAutoFit/>
+          </a:bodyPr>
+          <a:lstStyle/>
+          <a:p>
+            <a:r>
+              <a:rPr lang="en-US" smtClean="0"/>
+              <a:t>Interval 30s</a:t>
+            </a:r>
           </a:p>
         </p:txBody>
       </p:sp>
     </p:spTree>
     <p:extLst>
       <p:ext uri="{BB962C8B-B14F-4D97-AF65-F5344CB8AC3E}">
-        <p14:creationId xmlns:p14="http://schemas.microsoft.com/office/powerpoint/2010/main" val="2976179350"/>
+        <p14:creationId xmlns:p14="http://schemas.microsoft.com/office/powerpoint/2010/main" val="1168949505"/>
       </p:ext>
     </p:extLst>
   </p:cSld>
@@ -3908,35 +4008,74 @@
           <a:p>
             <a:r>
               <a:rPr lang="en-US" smtClean="0"/>
-              <a:t>Tham khảo</a:t>
-            </a:r>
-            <a:endParaRPr lang="en-US"/>
-          </a:p>
-        </p:txBody>
-      </p:sp>
-      <p:sp>
-        <p:nvSpPr>
-          <p:cNvPr id="3" name="Content Placeholder 2"/>
-          <p:cNvSpPr>
-            <a:spLocks noGrp="1"/>
-          </p:cNvSpPr>
+              <a:t>4. Kết quả hiện tại</a:t>
+            </a:r>
+            <a:endParaRPr lang="en-US"/>
+          </a:p>
+        </p:txBody>
+      </p:sp>
+      <p:pic>
+        <p:nvPicPr>
+          <p:cNvPr id="5" name="Content Placeholder 4"/>
+          <p:cNvPicPr>
+            <a:picLocks noGrp="1" noChangeAspect="1"/>
+          </p:cNvPicPr>
           <p:nvPr>
             <p:ph idx="1"/>
           </p:nvPr>
-        </p:nvSpPr>
-        <p:spPr/>
-        <p:txBody>
-          <a:bodyPr/>
-          <a:lstStyle/>
-          <a:p>
-            <a:endParaRPr lang="en-US"/>
+        </p:nvPicPr>
+        <p:blipFill>
+          <a:blip r:embed="rId2">
+            <a:extLst>
+              <a:ext uri="{28A0092B-C50C-407E-A947-70E740481C1C}">
+                <a14:useLocalDpi xmlns:a14="http://schemas.microsoft.com/office/drawing/2010/main" val="0"/>
+              </a:ext>
+            </a:extLst>
+          </a:blip>
+          <a:stretch>
+            <a:fillRect/>
+          </a:stretch>
+        </p:blipFill>
+        <p:spPr>
+          <a:xfrm>
+            <a:off x="965471" y="2064875"/>
+            <a:ext cx="7416529" cy="4039456"/>
+          </a:xfrm>
+        </p:spPr>
+      </p:pic>
+      <p:sp>
+        <p:nvSpPr>
+          <p:cNvPr id="6" name="TextBox 5"/>
+          <p:cNvSpPr txBox="1"/>
+          <p:nvPr/>
+        </p:nvSpPr>
+        <p:spPr>
+          <a:xfrm>
+            <a:off x="822998" y="1533298"/>
+            <a:ext cx="1158202" cy="369332"/>
+          </a:xfrm>
+          <a:prstGeom prst="rect">
+            <a:avLst/>
+          </a:prstGeom>
+          <a:noFill/>
+        </p:spPr>
+        <p:txBody>
+          <a:bodyPr wrap="none" rtlCol="0">
+            <a:spAutoFit/>
+          </a:bodyPr>
+          <a:lstStyle/>
+          <a:p>
+            <a:r>
+              <a:rPr lang="en-US" smtClean="0"/>
+              <a:t>Interval 1s</a:t>
+            </a:r>
           </a:p>
         </p:txBody>
       </p:sp>
     </p:spTree>
     <p:extLst>
       <p:ext uri="{BB962C8B-B14F-4D97-AF65-F5344CB8AC3E}">
-        <p14:creationId xmlns:p14="http://schemas.microsoft.com/office/powerpoint/2010/main" val="1859625681"/>
+        <p14:creationId xmlns:p14="http://schemas.microsoft.com/office/powerpoint/2010/main" val="3393039257"/>
       </p:ext>
     </p:extLst>
   </p:cSld>
@@ -3977,6 +4116,366 @@
             <a:spLocks noGrp="1"/>
           </p:cNvSpPr>
           <p:nvPr>
+            <p:ph type="title"/>
+          </p:nvPr>
+        </p:nvSpPr>
+        <p:spPr/>
+        <p:txBody>
+          <a:bodyPr/>
+          <a:lstStyle/>
+          <a:p>
+            <a:r>
+              <a:rPr lang="en-US" smtClean="0"/>
+              <a:t>5. Hướng nghiên cứu</a:t>
+            </a:r>
+            <a:endParaRPr lang="en-US"/>
+          </a:p>
+        </p:txBody>
+      </p:sp>
+      <p:sp>
+        <p:nvSpPr>
+          <p:cNvPr id="3" name="Content Placeholder 2"/>
+          <p:cNvSpPr>
+            <a:spLocks noGrp="1"/>
+          </p:cNvSpPr>
+          <p:nvPr>
+            <p:ph idx="1"/>
+          </p:nvPr>
+        </p:nvSpPr>
+        <p:spPr/>
+        <p:txBody>
+          <a:bodyPr/>
+          <a:lstStyle/>
+          <a:p>
+            <a:r>
+              <a:rPr lang="en-US" smtClean="0"/>
+              <a:t>Nâng cao độ chính xác map matching</a:t>
+            </a:r>
+          </a:p>
+          <a:p>
+            <a:r>
+              <a:rPr lang="en-US" smtClean="0"/>
+              <a:t>Tối ưu thời gian tính toán</a:t>
+            </a:r>
+            <a:endParaRPr lang="en-US"/>
+          </a:p>
+        </p:txBody>
+      </p:sp>
+    </p:spTree>
+    <p:extLst>
+      <p:ext uri="{BB962C8B-B14F-4D97-AF65-F5344CB8AC3E}">
+        <p14:creationId xmlns:p14="http://schemas.microsoft.com/office/powerpoint/2010/main" val="2916158750"/>
+      </p:ext>
+    </p:extLst>
+  </p:cSld>
+  <p:clrMapOvr>
+    <a:masterClrMapping/>
+  </p:clrMapOvr>
+  <p:timing>
+    <p:tnLst>
+      <p:par>
+        <p:cTn id="1" dur="indefinite" restart="never" nodeType="tmRoot"/>
+      </p:par>
+    </p:tnLst>
+  </p:timing>
+</p:sld>
+</file>
+
+<file path=ppt/slides/slide15.xml><?xml version="1.0" encoding="utf-8"?>
+<p:sld xmlns:a="http://schemas.openxmlformats.org/drawingml/2006/main" xmlns:r="http://schemas.openxmlformats.org/officeDocument/2006/relationships" xmlns:p="http://schemas.openxmlformats.org/presentationml/2006/main">
+  <p:cSld>
+    <p:spTree>
+      <p:nvGrpSpPr>
+        <p:cNvPr id="1" name=""/>
+        <p:cNvGrpSpPr/>
+        <p:nvPr/>
+      </p:nvGrpSpPr>
+      <p:grpSpPr>
+        <a:xfrm>
+          <a:off x="0" y="0"/>
+          <a:ext cx="0" cy="0"/>
+          <a:chOff x="0" y="0"/>
+          <a:chExt cx="0" cy="0"/>
+        </a:xfrm>
+      </p:grpSpPr>
+      <p:sp>
+        <p:nvSpPr>
+          <p:cNvPr id="2" name="Title 1"/>
+          <p:cNvSpPr>
+            <a:spLocks noGrp="1"/>
+          </p:cNvSpPr>
+          <p:nvPr>
+            <p:ph type="title"/>
+          </p:nvPr>
+        </p:nvSpPr>
+        <p:spPr/>
+        <p:txBody>
+          <a:bodyPr/>
+          <a:lstStyle/>
+          <a:p>
+            <a:r>
+              <a:rPr lang="en-US" smtClean="0"/>
+              <a:t>6. Tóm tắt</a:t>
+            </a:r>
+            <a:endParaRPr lang="en-US"/>
+          </a:p>
+        </p:txBody>
+      </p:sp>
+      <p:sp>
+        <p:nvSpPr>
+          <p:cNvPr id="3" name="Content Placeholder 2"/>
+          <p:cNvSpPr>
+            <a:spLocks noGrp="1"/>
+          </p:cNvSpPr>
+          <p:nvPr>
+            <p:ph idx="1"/>
+          </p:nvPr>
+        </p:nvSpPr>
+        <p:spPr/>
+        <p:txBody>
+          <a:bodyPr/>
+          <a:lstStyle/>
+          <a:p>
+            <a:r>
+              <a:rPr lang="en-US" smtClean="0"/>
+              <a:t>Giới thiệu đề tài map matching</a:t>
+            </a:r>
+          </a:p>
+          <a:p>
+            <a:r>
+              <a:rPr lang="en-US" smtClean="0"/>
+              <a:t>Các thách thức và hướng nghiên cứu</a:t>
+            </a:r>
+          </a:p>
+          <a:p>
+            <a:r>
+              <a:rPr lang="en-US" smtClean="0"/>
+              <a:t>Kết quả hiện tại chưa nhiều</a:t>
+            </a:r>
+          </a:p>
+          <a:p>
+            <a:r>
+              <a:rPr lang="en-US" smtClean="0"/>
+              <a:t>Cần phải có phương pháp đánh giá độ chính xác và tốc độ tính toán</a:t>
+            </a:r>
+            <a:endParaRPr lang="en-US"/>
+          </a:p>
+        </p:txBody>
+      </p:sp>
+    </p:spTree>
+    <p:extLst>
+      <p:ext uri="{BB962C8B-B14F-4D97-AF65-F5344CB8AC3E}">
+        <p14:creationId xmlns:p14="http://schemas.microsoft.com/office/powerpoint/2010/main" val="2976179350"/>
+      </p:ext>
+    </p:extLst>
+  </p:cSld>
+  <p:clrMapOvr>
+    <a:masterClrMapping/>
+  </p:clrMapOvr>
+  <p:timing>
+    <p:tnLst>
+      <p:par>
+        <p:cTn id="1" dur="indefinite" restart="never" nodeType="tmRoot"/>
+      </p:par>
+    </p:tnLst>
+  </p:timing>
+</p:sld>
+</file>
+
+<file path=ppt/slides/slide16.xml><?xml version="1.0" encoding="utf-8"?>
+<p:sld xmlns:a="http://schemas.openxmlformats.org/drawingml/2006/main" xmlns:r="http://schemas.openxmlformats.org/officeDocument/2006/relationships" xmlns:p="http://schemas.openxmlformats.org/presentationml/2006/main">
+  <p:cSld>
+    <p:spTree>
+      <p:nvGrpSpPr>
+        <p:cNvPr id="1" name=""/>
+        <p:cNvGrpSpPr/>
+        <p:nvPr/>
+      </p:nvGrpSpPr>
+      <p:grpSpPr>
+        <a:xfrm>
+          <a:off x="0" y="0"/>
+          <a:ext cx="0" cy="0"/>
+          <a:chOff x="0" y="0"/>
+          <a:chExt cx="0" cy="0"/>
+        </a:xfrm>
+      </p:grpSpPr>
+      <p:sp>
+        <p:nvSpPr>
+          <p:cNvPr id="2" name="Title 1"/>
+          <p:cNvSpPr>
+            <a:spLocks noGrp="1"/>
+          </p:cNvSpPr>
+          <p:nvPr>
+            <p:ph type="title"/>
+          </p:nvPr>
+        </p:nvSpPr>
+        <p:spPr/>
+        <p:txBody>
+          <a:bodyPr/>
+          <a:lstStyle/>
+          <a:p>
+            <a:r>
+              <a:rPr lang="en-US" smtClean="0"/>
+              <a:t>Tham khảo</a:t>
+            </a:r>
+            <a:endParaRPr lang="en-US"/>
+          </a:p>
+        </p:txBody>
+      </p:sp>
+      <p:sp>
+        <p:nvSpPr>
+          <p:cNvPr id="3" name="Content Placeholder 2"/>
+          <p:cNvSpPr>
+            <a:spLocks noGrp="1"/>
+          </p:cNvSpPr>
+          <p:nvPr>
+            <p:ph idx="1"/>
+          </p:nvPr>
+        </p:nvSpPr>
+        <p:spPr/>
+        <p:txBody>
+          <a:bodyPr>
+            <a:normAutofit fontScale="77500" lnSpcReduction="20000"/>
+          </a:bodyPr>
+          <a:lstStyle/>
+          <a:p>
+            <a:pPr marL="457200" indent="-457200">
+              <a:buFont typeface="Arial" pitchFamily="34" charset="0"/>
+              <a:buAutoNum type="arabicPeriod"/>
+            </a:pPr>
+            <a:r>
+              <a:rPr lang="en-US"/>
+              <a:t>Quddus, Mohammed A., et al. "A general map matching algorithm for transport telematics applications." </a:t>
+            </a:r>
+            <a:r>
+              <a:rPr lang="en-US" i="1"/>
+              <a:t>GPS solutions</a:t>
+            </a:r>
+            <a:r>
+              <a:rPr lang="en-US"/>
+              <a:t> 7.3 (2003): 157-167</a:t>
+            </a:r>
+            <a:r>
+              <a:rPr lang="en-US"/>
+              <a:t>. </a:t>
+            </a:r>
+            <a:endParaRPr lang="en-US" smtClean="0"/>
+          </a:p>
+          <a:p>
+            <a:pPr marL="457200" indent="-457200">
+              <a:buFont typeface="Arial" pitchFamily="34" charset="0"/>
+              <a:buAutoNum type="arabicPeriod"/>
+            </a:pPr>
+            <a:r>
+              <a:rPr lang="en-US" smtClean="0"/>
+              <a:t>Chen</a:t>
+            </a:r>
+            <a:r>
+              <a:rPr lang="en-US"/>
+              <a:t>, Bi Yu, et al. "Map-matching algorithm for large-scale low-frequency floating car data." </a:t>
+            </a:r>
+            <a:r>
+              <a:rPr lang="en-US" i="1"/>
+              <a:t>International Journal of Geographical </a:t>
+            </a:r>
+            <a:r>
+              <a:rPr lang="en-US" i="1"/>
+              <a:t>Information </a:t>
+            </a:r>
+            <a:r>
+              <a:rPr lang="en-US" i="1" smtClean="0"/>
+              <a:t>Science </a:t>
+            </a:r>
+            <a:r>
+              <a:rPr lang="en-US" smtClean="0"/>
+              <a:t>28.1 </a:t>
+            </a:r>
+            <a:r>
+              <a:rPr lang="en-US"/>
+              <a:t>(2014): 22-38.</a:t>
+            </a:r>
+            <a:endParaRPr lang="en-US" smtClean="0"/>
+          </a:p>
+          <a:p>
+            <a:pPr marL="457200" indent="-457200">
+              <a:buAutoNum type="arabicPeriod"/>
+            </a:pPr>
+            <a:r>
+              <a:rPr lang="en-US" smtClean="0"/>
+              <a:t>Newson</a:t>
+            </a:r>
+            <a:r>
+              <a:rPr lang="en-US"/>
+              <a:t>, Paul, and John Krumm. "Hidden Markov map matching through noise and sparseness." </a:t>
+            </a:r>
+            <a:r>
+              <a:rPr lang="en-US" i="1"/>
+              <a:t>Proceedings of the 17th ACM SIGSPATIAL international conference on advances in geographic information systems</a:t>
+            </a:r>
+            <a:r>
+              <a:rPr lang="en-US"/>
+              <a:t>. ACM, 2009.</a:t>
+            </a:r>
+          </a:p>
+          <a:p>
+            <a:pPr marL="457200" indent="-457200">
+              <a:buAutoNum type="arabicPeriod"/>
+            </a:pPr>
+            <a:r>
+              <a:rPr lang="en-US"/>
+              <a:t>Goh, C.Y., J. Dauwels, N. Mitrovic, M. T. Asif, A. Oran, and P. Jaillet. “Online Map-Matching Based on Hidden Markov Model for Real-Time Traffic Sensing Applications.” 2012 </a:t>
+            </a:r>
+            <a:endParaRPr lang="en-US"/>
+          </a:p>
+          <a:p>
+            <a:endParaRPr lang="en-US"/>
+          </a:p>
+        </p:txBody>
+      </p:sp>
+    </p:spTree>
+    <p:extLst>
+      <p:ext uri="{BB962C8B-B14F-4D97-AF65-F5344CB8AC3E}">
+        <p14:creationId xmlns:p14="http://schemas.microsoft.com/office/powerpoint/2010/main" val="1859625681"/>
+      </p:ext>
+    </p:extLst>
+  </p:cSld>
+  <p:clrMapOvr>
+    <a:masterClrMapping/>
+  </p:clrMapOvr>
+  <p:timing>
+    <p:tnLst>
+      <p:par>
+        <p:cTn id="1" dur="indefinite" restart="never" nodeType="tmRoot"/>
+      </p:par>
+    </p:tnLst>
+  </p:timing>
+</p:sld>
+</file>
+
+<file path=ppt/slides/slide17.xml><?xml version="1.0" encoding="utf-8"?>
+<p:sld xmlns:a="http://schemas.openxmlformats.org/drawingml/2006/main" xmlns:r="http://schemas.openxmlformats.org/officeDocument/2006/relationships" xmlns:p="http://schemas.openxmlformats.org/presentationml/2006/main">
+  <p:cSld>
+    <p:spTree>
+      <p:nvGrpSpPr>
+        <p:cNvPr id="1" name=""/>
+        <p:cNvGrpSpPr/>
+        <p:nvPr/>
+      </p:nvGrpSpPr>
+      <p:grpSpPr>
+        <a:xfrm>
+          <a:off x="0" y="0"/>
+          <a:ext cx="0" cy="0"/>
+          <a:chOff x="0" y="0"/>
+          <a:chExt cx="0" cy="0"/>
+        </a:xfrm>
+      </p:grpSpPr>
+      <p:sp>
+        <p:nvSpPr>
+          <p:cNvPr id="2" name="Title 1"/>
+          <p:cNvSpPr>
+            <a:spLocks noGrp="1"/>
+          </p:cNvSpPr>
+          <p:nvPr>
             <p:ph type="ctrTitle"/>
           </p:nvPr>
         </p:nvSpPr>
@@ -3990,10 +4489,6 @@
             <a:r>
               <a:rPr lang="en-US" smtClean="0"/>
               <a:t>Thank you for listening</a:t>
-            </a:r>
-            <a:r>
-              <a:rPr lang="en-US" smtClean="0"/>
-              <a:t/>
             </a:r>
             <a:br>
               <a:rPr lang="en-US" smtClean="0"/>
@@ -4153,11 +4648,7 @@
             </a:pPr>
             <a:r>
               <a:rPr lang="en-US" smtClean="0"/>
-              <a:t>Các phương </a:t>
-            </a:r>
-            <a:r>
-              <a:rPr lang="en-US" smtClean="0"/>
-              <a:t>pháp nghiên cứu</a:t>
+              <a:t>Các phương pháp nghiên cứu</a:t>
             </a:r>
           </a:p>
           <a:p>
@@ -5003,12 +5494,97 @@
           <a:p>
             <a:r>
               <a:rPr lang="en-US" smtClean="0"/>
-              <a:t>Phương pháp trọng số</a:t>
-            </a:r>
-            <a:endParaRPr lang="en-US"/>
-          </a:p>
-        </p:txBody>
-      </p:sp>
+              <a:t>Phương </a:t>
+            </a:r>
+            <a:r>
+              <a:rPr lang="en-US" smtClean="0"/>
+              <a:t>pháp trọng </a:t>
+            </a:r>
+            <a:r>
+              <a:rPr lang="en-US" smtClean="0"/>
+              <a:t>số </a:t>
+            </a:r>
+            <a:r>
+              <a:rPr lang="en-US" sz="2800" baseline="30000" smtClean="0"/>
+              <a:t>1,2</a:t>
+            </a:r>
+            <a:endParaRPr lang="en-US" baseline="30000" smtClean="0"/>
+          </a:p>
+          <a:p>
+            <a:r>
+              <a:rPr lang="en-US"/>
+              <a:t>TWS: total weight score</a:t>
+            </a:r>
+          </a:p>
+          <a:p>
+            <a:endParaRPr lang="en-US"/>
+          </a:p>
+        </p:txBody>
+      </p:sp>
+      <p:pic>
+        <p:nvPicPr>
+          <p:cNvPr id="1026" name="Picture 2"/>
+          <p:cNvPicPr>
+            <a:picLocks noChangeAspect="1" noChangeArrowheads="1"/>
+          </p:cNvPicPr>
+          <p:nvPr/>
+        </p:nvPicPr>
+        <p:blipFill>
+          <a:blip r:embed="rId2">
+            <a:extLst>
+              <a:ext uri="{28A0092B-C50C-407E-A947-70E740481C1C}">
+                <a14:useLocalDpi xmlns:a14="http://schemas.microsoft.com/office/drawing/2010/main" val="0"/>
+              </a:ext>
+            </a:extLst>
+          </a:blip>
+          <a:srcRect/>
+          <a:stretch>
+            <a:fillRect/>
+          </a:stretch>
+        </p:blipFill>
+        <p:spPr bwMode="auto">
+          <a:xfrm>
+            <a:off x="2395274" y="3020383"/>
+            <a:ext cx="4526633" cy="3020426"/>
+          </a:xfrm>
+          <a:prstGeom prst="rect">
+            <a:avLst/>
+          </a:prstGeom>
+          <a:noFill/>
+          <a:ln>
+            <a:noFill/>
+          </a:ln>
+          <a:effectLst/>
+          <a:extLst>
+            <a:ext uri="{909E8E84-426E-40DD-AFC4-6F175D3DCCD1}">
+              <a14:hiddenFill xmlns:a14="http://schemas.microsoft.com/office/drawing/2010/main">
+                <a:solidFill>
+                  <a:schemeClr val="accent1"/>
+                </a:solidFill>
+              </a14:hiddenFill>
+            </a:ext>
+            <a:ext uri="{91240B29-F687-4F45-9708-019B960494DF}">
+              <a14:hiddenLine xmlns:a14="http://schemas.microsoft.com/office/drawing/2010/main" w="9525">
+                <a:solidFill>
+                  <a:schemeClr val="tx1"/>
+                </a:solidFill>
+                <a:miter lim="800000"/>
+                <a:headEnd/>
+                <a:tailEnd/>
+              </a14:hiddenLine>
+            </a:ext>
+            <a:ext uri="{AF507438-7753-43E0-B8FC-AC1667EBCBE1}">
+              <a14:hiddenEffects xmlns:a14="http://schemas.microsoft.com/office/drawing/2010/main">
+                <a:effectLst>
+                  <a:outerShdw dist="35921" dir="2700000" algn="ctr" rotWithShape="0">
+                    <a:schemeClr val="bg2"/>
+                  </a:outerShdw>
+                </a:effectLst>
+              </a14:hiddenEffects>
+            </a:ext>
+          </a:extLst>
+        </p:spPr>
+      </p:pic>
     </p:spTree>
     <p:extLst>
       <p:ext uri="{BB962C8B-B14F-4D97-AF65-F5344CB8AC3E}">
@@ -5086,12 +5662,84 @@
           <a:p>
             <a:r>
               <a:rPr lang="en-US" smtClean="0"/>
-              <a:t>Phương pháp xác suất</a:t>
-            </a:r>
-            <a:endParaRPr lang="en-US"/>
-          </a:p>
-        </p:txBody>
-      </p:sp>
+              <a:t>Phương pháp xác </a:t>
+            </a:r>
+            <a:r>
+              <a:rPr lang="en-US" smtClean="0"/>
+              <a:t>suất: mô hình Markov ẩn </a:t>
+            </a:r>
+            <a:r>
+              <a:rPr lang="en-US" sz="2800" baseline="30000" smtClean="0"/>
+              <a:t>3,4</a:t>
+            </a:r>
+            <a:endParaRPr lang="en-US"/>
+          </a:p>
+        </p:txBody>
+      </p:sp>
+      <p:pic>
+        <p:nvPicPr>
+          <p:cNvPr id="4" name="Picture 3"/>
+          <p:cNvPicPr>
+            <a:picLocks noChangeAspect="1" noChangeArrowheads="1"/>
+          </p:cNvPicPr>
+          <p:nvPr/>
+        </p:nvPicPr>
+        <p:blipFill>
+          <a:blip r:embed="rId2">
+            <a:extLst>
+              <a:ext uri="{28A0092B-C50C-407E-A947-70E740481C1C}">
+                <a14:useLocalDpi xmlns:a14="http://schemas.microsoft.com/office/drawing/2010/main" val="0"/>
+              </a:ext>
+            </a:extLst>
+          </a:blip>
+          <a:srcRect/>
+          <a:stretch>
+            <a:fillRect/>
+          </a:stretch>
+        </p:blipFill>
+        <p:spPr bwMode="auto">
+          <a:xfrm>
+            <a:off x="2063027" y="2286000"/>
+            <a:ext cx="5099773" cy="4149399"/>
+          </a:xfrm>
+          <a:prstGeom prst="rect">
+            <a:avLst/>
+          </a:prstGeom>
+          <a:noFill/>
+          <a:ln>
+            <a:noFill/>
+          </a:ln>
+          <a:effectLst/>
+          <a:extLst>
+            <a:ext uri="{909E8E84-426E-40DD-AFC4-6F175D3DCCD1}">
+              <a14:hiddenFill xmlns:a14="http://schemas.microsoft.com/office/drawing/2010/main">
+                <a:solidFill>
+                  <a:schemeClr val="accent1"/>
+                </a:solidFill>
+              </a14:hiddenFill>
+            </a:ext>
+            <a:ext uri="{91240B29-F687-4F45-9708-019B960494DF}">
+              <a14:hiddenLine xmlns:a14="http://schemas.microsoft.com/office/drawing/2010/main" w="9525">
+                <a:solidFill>
+                  <a:schemeClr val="tx1"/>
+                </a:solidFill>
+                <a:miter lim="800000"/>
+                <a:headEnd/>
+                <a:tailEnd/>
+              </a14:hiddenLine>
+            </a:ext>
+            <a:ext uri="{AF507438-7753-43E0-B8FC-AC1667EBCBE1}">
+              <a14:hiddenEffects xmlns:a14="http://schemas.microsoft.com/office/drawing/2010/main">
+                <a:effectLst>
+                  <a:outerShdw dist="35921" dir="2700000" algn="ctr" rotWithShape="0">
+                    <a:schemeClr val="bg2"/>
+                  </a:outerShdw>
+                </a:effectLst>
+              </a14:hiddenEffects>
+            </a:ext>
+          </a:extLst>
+        </p:spPr>
+      </p:pic>
     </p:spTree>
     <p:extLst>
       <p:ext uri="{BB962C8B-B14F-4D97-AF65-F5344CB8AC3E}">
